--- a/sundyandroid/Cover.pptx
+++ b/sundyandroid/Cover.pptx
@@ -289,7 +289,7 @@
             <a:fld id="{0D0DB58D-BA62-47E6-84B4-51FCF5968799}" type="datetimeFigureOut">
               <a:rPr lang="zh-CN" altLang="en-US" smtClean="0"/>
               <a:pPr/>
-              <a:t>2011/4/14</a:t>
+              <a:t>2011/5/19</a:t>
             </a:fld>
             <a:endParaRPr lang="zh-CN" altLang="en-US"/>
           </a:p>
@@ -456,7 +456,7 @@
             <a:fld id="{0D0DB58D-BA62-47E6-84B4-51FCF5968799}" type="datetimeFigureOut">
               <a:rPr lang="zh-CN" altLang="en-US" smtClean="0"/>
               <a:pPr/>
-              <a:t>2011/4/14</a:t>
+              <a:t>2011/5/19</a:t>
             </a:fld>
             <a:endParaRPr lang="zh-CN" altLang="en-US"/>
           </a:p>
@@ -633,7 +633,7 @@
             <a:fld id="{0D0DB58D-BA62-47E6-84B4-51FCF5968799}" type="datetimeFigureOut">
               <a:rPr lang="zh-CN" altLang="en-US" smtClean="0"/>
               <a:pPr/>
-              <a:t>2011/4/14</a:t>
+              <a:t>2011/5/19</a:t>
             </a:fld>
             <a:endParaRPr lang="zh-CN" altLang="en-US"/>
           </a:p>
@@ -800,7 +800,7 @@
             <a:fld id="{0D0DB58D-BA62-47E6-84B4-51FCF5968799}" type="datetimeFigureOut">
               <a:rPr lang="zh-CN" altLang="en-US" smtClean="0"/>
               <a:pPr/>
-              <a:t>2011/4/14</a:t>
+              <a:t>2011/5/19</a:t>
             </a:fld>
             <a:endParaRPr lang="zh-CN" altLang="en-US"/>
           </a:p>
@@ -1043,7 +1043,7 @@
             <a:fld id="{0D0DB58D-BA62-47E6-84B4-51FCF5968799}" type="datetimeFigureOut">
               <a:rPr lang="zh-CN" altLang="en-US" smtClean="0"/>
               <a:pPr/>
-              <a:t>2011/4/14</a:t>
+              <a:t>2011/5/19</a:t>
             </a:fld>
             <a:endParaRPr lang="zh-CN" altLang="en-US"/>
           </a:p>
@@ -1328,7 +1328,7 @@
             <a:fld id="{0D0DB58D-BA62-47E6-84B4-51FCF5968799}" type="datetimeFigureOut">
               <a:rPr lang="zh-CN" altLang="en-US" smtClean="0"/>
               <a:pPr/>
-              <a:t>2011/4/14</a:t>
+              <a:t>2011/5/19</a:t>
             </a:fld>
             <a:endParaRPr lang="zh-CN" altLang="en-US"/>
           </a:p>
@@ -1747,7 +1747,7 @@
             <a:fld id="{0D0DB58D-BA62-47E6-84B4-51FCF5968799}" type="datetimeFigureOut">
               <a:rPr lang="zh-CN" altLang="en-US" smtClean="0"/>
               <a:pPr/>
-              <a:t>2011/4/14</a:t>
+              <a:t>2011/5/19</a:t>
             </a:fld>
             <a:endParaRPr lang="zh-CN" altLang="en-US"/>
           </a:p>
@@ -1862,7 +1862,7 @@
             <a:fld id="{0D0DB58D-BA62-47E6-84B4-51FCF5968799}" type="datetimeFigureOut">
               <a:rPr lang="zh-CN" altLang="en-US" smtClean="0"/>
               <a:pPr/>
-              <a:t>2011/4/14</a:t>
+              <a:t>2011/5/19</a:t>
             </a:fld>
             <a:endParaRPr lang="zh-CN" altLang="en-US"/>
           </a:p>
@@ -1954,7 +1954,7 @@
             <a:fld id="{0D0DB58D-BA62-47E6-84B4-51FCF5968799}" type="datetimeFigureOut">
               <a:rPr lang="zh-CN" altLang="en-US" smtClean="0"/>
               <a:pPr/>
-              <a:t>2011/4/14</a:t>
+              <a:t>2011/5/19</a:t>
             </a:fld>
             <a:endParaRPr lang="zh-CN" altLang="en-US"/>
           </a:p>
@@ -2228,7 +2228,7 @@
             <a:fld id="{0D0DB58D-BA62-47E6-84B4-51FCF5968799}" type="datetimeFigureOut">
               <a:rPr lang="zh-CN" altLang="en-US" smtClean="0"/>
               <a:pPr/>
-              <a:t>2011/4/14</a:t>
+              <a:t>2011/5/19</a:t>
             </a:fld>
             <a:endParaRPr lang="zh-CN" altLang="en-US"/>
           </a:p>
@@ -2478,7 +2478,7 @@
             <a:fld id="{0D0DB58D-BA62-47E6-84B4-51FCF5968799}" type="datetimeFigureOut">
               <a:rPr lang="zh-CN" altLang="en-US" smtClean="0"/>
               <a:pPr/>
-              <a:t>2011/4/14</a:t>
+              <a:t>2011/5/19</a:t>
             </a:fld>
             <a:endParaRPr lang="zh-CN" altLang="en-US"/>
           </a:p>
@@ -2688,7 +2688,7 @@
             <a:fld id="{0D0DB58D-BA62-47E6-84B4-51FCF5968799}" type="datetimeFigureOut">
               <a:rPr lang="zh-CN" altLang="en-US" smtClean="0"/>
               <a:pPr/>
-              <a:t>2011/4/14</a:t>
+              <a:t>2011/5/19</a:t>
             </a:fld>
             <a:endParaRPr lang="zh-CN" altLang="en-US"/>
           </a:p>
@@ -3130,7 +3130,7 @@
         <p:spPr>
           <a:xfrm>
             <a:off x="5429256" y="5500702"/>
-            <a:ext cx="3391216" cy="400110"/>
+            <a:ext cx="3391216" cy="1015663"/>
           </a:xfrm>
           <a:prstGeom prst="rect">
             <a:avLst/>
@@ -3148,6 +3148,27 @@
               <a:t>@Sundy Zhang</a:t>
             </a:r>
           </a:p>
+          <a:p>
+            <a:r>
+              <a:rPr lang="en-US" altLang="zh-CN" sz="2000" b="1" dirty="0" smtClean="0"/>
+              <a:t>QQ:183683266</a:t>
+            </a:r>
+          </a:p>
+          <a:p>
+            <a:r>
+              <a:rPr lang="en-US" altLang="zh-CN" sz="2000" b="1" dirty="0" smtClean="0"/>
+              <a:t>QQ</a:t>
+            </a:r>
+            <a:r>
+              <a:rPr lang="zh-CN" altLang="en-US" sz="2000" b="1" dirty="0" smtClean="0"/>
+              <a:t>群</a:t>
+            </a:r>
+            <a:r>
+              <a:rPr lang="en-US" altLang="zh-CN" sz="2000" b="1" dirty="0" smtClean="0"/>
+              <a:t>: 123805854</a:t>
+            </a:r>
+            <a:endParaRPr lang="en-US" altLang="zh-CN" sz="2000" b="1" dirty="0" smtClean="0"/>
+          </a:p>
         </p:txBody>
       </p:sp>
       <p:sp>
@@ -3158,8 +3179,8 @@
         </p:nvSpPr>
         <p:spPr>
           <a:xfrm>
-            <a:off x="1907704" y="2924944"/>
-            <a:ext cx="6768752" cy="1482650"/>
+            <a:off x="1907704" y="2996952"/>
+            <a:ext cx="6768752" cy="584775"/>
           </a:xfrm>
           <a:prstGeom prst="rect">
             <a:avLst/>
@@ -3186,150 +3207,14 @@
           </a:bodyPr>
           <a:lstStyle/>
           <a:p>
-            <a:pPr algn="ctr">
-              <a:lnSpc>
-                <a:spcPct val="150000"/>
-              </a:lnSpc>
-            </a:pPr>
-            <a:r>
-              <a:rPr lang="en-US" altLang="zh-CN" sz="3200" b="1" spc="50" dirty="0" smtClean="0">
-                <a:ln w="11430"/>
-                <a:effectLst>
-                  <a:outerShdw blurRad="76200" dist="50800" dir="5400000" algn="tl" rotWithShape="0">
-                    <a:srgbClr val="000000">
-                      <a:alpha val="65000"/>
-                    </a:srgbClr>
-                  </a:outerShdw>
-                </a:effectLst>
-                <a:latin typeface="微软雅黑" pitchFamily="34" charset="-122"/>
-                <a:ea typeface="微软雅黑" pitchFamily="34" charset="-122"/>
-              </a:rPr>
-              <a:t>C11041401AAF</a:t>
-            </a:r>
-          </a:p>
-          <a:p>
-            <a:pPr algn="ctr">
-              <a:lnSpc>
-                <a:spcPct val="150000"/>
-              </a:lnSpc>
-            </a:pPr>
-            <a:r>
-              <a:rPr lang="zh-CN" altLang="en-US" sz="3200" b="1" spc="50" dirty="0" smtClean="0">
-                <a:ln w="11430"/>
-                <a:effectLst>
-                  <a:outerShdw blurRad="76200" dist="50800" dir="5400000" algn="tl" rotWithShape="0">
-                    <a:srgbClr val="000000">
-                      <a:alpha val="65000"/>
-                    </a:srgbClr>
-                  </a:outerShdw>
-                </a:effectLst>
-                <a:latin typeface="微软雅黑" pitchFamily="34" charset="-122"/>
-                <a:ea typeface="微软雅黑" pitchFamily="34" charset="-122"/>
-              </a:rPr>
-              <a:t>玩</a:t>
-            </a:r>
-            <a:r>
-              <a:rPr lang="zh-CN" altLang="en-US" sz="3200" b="1" spc="50" dirty="0" smtClean="0">
-                <a:ln w="11430"/>
-                <a:effectLst>
-                  <a:outerShdw blurRad="76200" dist="50800" dir="5400000" algn="tl" rotWithShape="0">
-                    <a:srgbClr val="000000">
-                      <a:alpha val="65000"/>
-                    </a:srgbClr>
-                  </a:outerShdw>
-                </a:effectLst>
-                <a:latin typeface="微软雅黑" pitchFamily="34" charset="-122"/>
-                <a:ea typeface="微软雅黑" pitchFamily="34" charset="-122"/>
-              </a:rPr>
-              <a:t>懂</a:t>
-            </a:r>
-            <a:r>
-              <a:rPr lang="en-US" altLang="zh-CN" sz="3200" b="1" spc="50" dirty="0" smtClean="0">
-                <a:ln w="11430"/>
-                <a:effectLst>
-                  <a:outerShdw blurRad="76200" dist="50800" dir="5400000" algn="tl" rotWithShape="0">
-                    <a:srgbClr val="000000">
-                      <a:alpha val="65000"/>
-                    </a:srgbClr>
-                  </a:outerShdw>
-                </a:effectLst>
-                <a:latin typeface="微软雅黑" pitchFamily="34" charset="-122"/>
-                <a:ea typeface="微软雅黑" pitchFamily="34" charset="-122"/>
-              </a:rPr>
-              <a:t>Log</a:t>
-            </a:r>
-            <a:r>
-              <a:rPr lang="zh-CN" altLang="en-US" sz="3200" b="1" spc="50" dirty="0" smtClean="0">
-                <a:ln w="11430"/>
-                <a:effectLst>
-                  <a:outerShdw blurRad="76200" dist="50800" dir="5400000" algn="tl" rotWithShape="0">
-                    <a:srgbClr val="000000">
-                      <a:alpha val="65000"/>
-                    </a:srgbClr>
-                  </a:outerShdw>
-                </a:effectLst>
-                <a:latin typeface="微软雅黑" pitchFamily="34" charset="-122"/>
-                <a:ea typeface="微软雅黑" pitchFamily="34" charset="-122"/>
-              </a:rPr>
-              <a:t>，打开</a:t>
-            </a:r>
-            <a:r>
-              <a:rPr lang="en-US" altLang="zh-CN" sz="3200" b="1" spc="50" dirty="0" smtClean="0">
-                <a:ln w="11430"/>
-                <a:effectLst>
-                  <a:outerShdw blurRad="76200" dist="50800" dir="5400000" algn="tl" rotWithShape="0">
-                    <a:srgbClr val="000000">
-                      <a:alpha val="65000"/>
-                    </a:srgbClr>
-                  </a:outerShdw>
-                </a:effectLst>
-                <a:latin typeface="微软雅黑" pitchFamily="34" charset="-122"/>
-                <a:ea typeface="微软雅黑" pitchFamily="34" charset="-122"/>
-              </a:rPr>
-              <a:t>Android</a:t>
-            </a:r>
-            <a:r>
-              <a:rPr lang="zh-CN" altLang="en-US" sz="3200" b="1" spc="50" dirty="0" smtClean="0">
-                <a:ln w="11430"/>
-                <a:effectLst>
-                  <a:outerShdw blurRad="76200" dist="50800" dir="5400000" algn="tl" rotWithShape="0">
-                    <a:srgbClr val="000000">
-                      <a:alpha val="65000"/>
-                    </a:srgbClr>
-                  </a:outerShdw>
-                </a:effectLst>
-                <a:latin typeface="微软雅黑" pitchFamily="34" charset="-122"/>
-                <a:ea typeface="微软雅黑" pitchFamily="34" charset="-122"/>
-              </a:rPr>
-              <a:t>大</a:t>
-            </a:r>
-            <a:r>
-              <a:rPr lang="zh-CN" altLang="en-US" sz="3200" b="1" spc="50" dirty="0" smtClean="0">
-                <a:ln w="11430"/>
-                <a:effectLst>
-                  <a:outerShdw blurRad="76200" dist="50800" dir="5400000" algn="tl" rotWithShape="0">
-                    <a:srgbClr val="000000">
-                      <a:alpha val="65000"/>
-                    </a:srgbClr>
-                  </a:outerShdw>
-                </a:effectLst>
-                <a:latin typeface="微软雅黑" pitchFamily="34" charset="-122"/>
-                <a:ea typeface="微软雅黑" pitchFamily="34" charset="-122"/>
-              </a:rPr>
-              <a:t>门</a:t>
-            </a:r>
-            <a:endParaRPr lang="zh-CN" altLang="en-US" sz="3200" b="1" spc="50" dirty="0">
-              <a:ln w="11430"/>
-              <a:effectLst>
-                <a:outerShdw blurRad="76200" dist="50800" dir="5400000" algn="tl" rotWithShape="0">
-                  <a:srgbClr val="000000">
-                    <a:alpha val="65000"/>
-                  </a:srgbClr>
-                </a:outerShdw>
-              </a:effectLst>
-              <a:latin typeface="微软雅黑" pitchFamily="34" charset="-122"/>
-              <a:ea typeface="微软雅黑" pitchFamily="34" charset="-122"/>
-            </a:endParaRPr>
+            <a:r>
+              <a:rPr lang="en-US" altLang="zh-CN" sz="3200" b="1" dirty="0" smtClean="0"/>
+              <a:t>SHW110518_</a:t>
+            </a:r>
+            <a:r>
+              <a:rPr lang="zh-CN" altLang="en-US" sz="3200" b="1" dirty="0" smtClean="0"/>
+              <a:t>关于课程顺序的说明</a:t>
+            </a:r>
           </a:p>
         </p:txBody>
       </p:sp>
